--- a/Presentation Template.pptx
+++ b/Presentation Template.pptx
@@ -9,22 +9,6 @@
     <p:sldId id="257" r:id="rId3"/>
     <p:sldId id="258" r:id="rId4"/>
     <p:sldId id="259" r:id="rId5"/>
-    <p:sldId id="260" r:id="rId6"/>
-    <p:sldId id="261" r:id="rId7"/>
-    <p:sldId id="262" r:id="rId8"/>
-    <p:sldId id="263" r:id="rId9"/>
-    <p:sldId id="264" r:id="rId10"/>
-    <p:sldId id="265" r:id="rId11"/>
-    <p:sldId id="266" r:id="rId12"/>
-    <p:sldId id="267" r:id="rId13"/>
-    <p:sldId id="268" r:id="rId14"/>
-    <p:sldId id="269" r:id="rId15"/>
-    <p:sldId id="270" r:id="rId16"/>
-    <p:sldId id="271" r:id="rId17"/>
-    <p:sldId id="272" r:id="rId18"/>
-    <p:sldId id="273" r:id="rId19"/>
-    <p:sldId id="274" r:id="rId20"/>
-    <p:sldId id="275" r:id="rId21"/>
   </p:sldIdLst>
   <p:sldSz cx="9144000" cy="5143500" type="screen16x9"/>
   <p:notesSz cx="6858000" cy="9144000"/>
@@ -142,6 +126,132 @@
 </p:presentation>
 </file>
 
+<file path=ppt/changesInfos/changesInfo1.xml><?xml version="1.0" encoding="utf-8"?>
+<pc:chgInfo xmlns:a="http://schemas.openxmlformats.org/drawingml/2006/main" xmlns:r="http://schemas.openxmlformats.org/officeDocument/2006/relationships" xmlns:ac="http://schemas.microsoft.com/office/drawing/2013/main/command" xmlns:pc="http://schemas.microsoft.com/office/powerpoint/2013/main/command">
+  <pc:docChgLst>
+    <pc:chgData name="Max Tarjan, PhD" userId="6afa3408-eea6-4478-9ef4-755f9a860d24" providerId="ADAL" clId="{B0321861-5518-4ACF-98E1-6E16DA3537BB}"/>
+    <pc:docChg chg="delSld">
+      <pc:chgData name="Max Tarjan, PhD" userId="6afa3408-eea6-4478-9ef4-755f9a860d24" providerId="ADAL" clId="{B0321861-5518-4ACF-98E1-6E16DA3537BB}" dt="2022-11-16T21:24:14.549" v="0" actId="47"/>
+      <pc:docMkLst>
+        <pc:docMk/>
+      </pc:docMkLst>
+      <pc:sldChg chg="del">
+        <pc:chgData name="Max Tarjan, PhD" userId="6afa3408-eea6-4478-9ef4-755f9a860d24" providerId="ADAL" clId="{B0321861-5518-4ACF-98E1-6E16DA3537BB}" dt="2022-11-16T21:24:14.549" v="0" actId="47"/>
+        <pc:sldMkLst>
+          <pc:docMk/>
+          <pc:sldMk cId="0" sldId="260"/>
+        </pc:sldMkLst>
+      </pc:sldChg>
+      <pc:sldChg chg="del">
+        <pc:chgData name="Max Tarjan, PhD" userId="6afa3408-eea6-4478-9ef4-755f9a860d24" providerId="ADAL" clId="{B0321861-5518-4ACF-98E1-6E16DA3537BB}" dt="2022-11-16T21:24:14.549" v="0" actId="47"/>
+        <pc:sldMkLst>
+          <pc:docMk/>
+          <pc:sldMk cId="0" sldId="261"/>
+        </pc:sldMkLst>
+      </pc:sldChg>
+      <pc:sldChg chg="del">
+        <pc:chgData name="Max Tarjan, PhD" userId="6afa3408-eea6-4478-9ef4-755f9a860d24" providerId="ADAL" clId="{B0321861-5518-4ACF-98E1-6E16DA3537BB}" dt="2022-11-16T21:24:14.549" v="0" actId="47"/>
+        <pc:sldMkLst>
+          <pc:docMk/>
+          <pc:sldMk cId="0" sldId="262"/>
+        </pc:sldMkLst>
+      </pc:sldChg>
+      <pc:sldChg chg="del">
+        <pc:chgData name="Max Tarjan, PhD" userId="6afa3408-eea6-4478-9ef4-755f9a860d24" providerId="ADAL" clId="{B0321861-5518-4ACF-98E1-6E16DA3537BB}" dt="2022-11-16T21:24:14.549" v="0" actId="47"/>
+        <pc:sldMkLst>
+          <pc:docMk/>
+          <pc:sldMk cId="0" sldId="263"/>
+        </pc:sldMkLst>
+      </pc:sldChg>
+      <pc:sldChg chg="del">
+        <pc:chgData name="Max Tarjan, PhD" userId="6afa3408-eea6-4478-9ef4-755f9a860d24" providerId="ADAL" clId="{B0321861-5518-4ACF-98E1-6E16DA3537BB}" dt="2022-11-16T21:24:14.549" v="0" actId="47"/>
+        <pc:sldMkLst>
+          <pc:docMk/>
+          <pc:sldMk cId="0" sldId="264"/>
+        </pc:sldMkLst>
+      </pc:sldChg>
+      <pc:sldChg chg="del">
+        <pc:chgData name="Max Tarjan, PhD" userId="6afa3408-eea6-4478-9ef4-755f9a860d24" providerId="ADAL" clId="{B0321861-5518-4ACF-98E1-6E16DA3537BB}" dt="2022-11-16T21:24:14.549" v="0" actId="47"/>
+        <pc:sldMkLst>
+          <pc:docMk/>
+          <pc:sldMk cId="0" sldId="265"/>
+        </pc:sldMkLst>
+      </pc:sldChg>
+      <pc:sldChg chg="del">
+        <pc:chgData name="Max Tarjan, PhD" userId="6afa3408-eea6-4478-9ef4-755f9a860d24" providerId="ADAL" clId="{B0321861-5518-4ACF-98E1-6E16DA3537BB}" dt="2022-11-16T21:24:14.549" v="0" actId="47"/>
+        <pc:sldMkLst>
+          <pc:docMk/>
+          <pc:sldMk cId="0" sldId="266"/>
+        </pc:sldMkLst>
+      </pc:sldChg>
+      <pc:sldChg chg="del">
+        <pc:chgData name="Max Tarjan, PhD" userId="6afa3408-eea6-4478-9ef4-755f9a860d24" providerId="ADAL" clId="{B0321861-5518-4ACF-98E1-6E16DA3537BB}" dt="2022-11-16T21:24:14.549" v="0" actId="47"/>
+        <pc:sldMkLst>
+          <pc:docMk/>
+          <pc:sldMk cId="0" sldId="267"/>
+        </pc:sldMkLst>
+      </pc:sldChg>
+      <pc:sldChg chg="del">
+        <pc:chgData name="Max Tarjan, PhD" userId="6afa3408-eea6-4478-9ef4-755f9a860d24" providerId="ADAL" clId="{B0321861-5518-4ACF-98E1-6E16DA3537BB}" dt="2022-11-16T21:24:14.549" v="0" actId="47"/>
+        <pc:sldMkLst>
+          <pc:docMk/>
+          <pc:sldMk cId="0" sldId="268"/>
+        </pc:sldMkLst>
+      </pc:sldChg>
+      <pc:sldChg chg="del">
+        <pc:chgData name="Max Tarjan, PhD" userId="6afa3408-eea6-4478-9ef4-755f9a860d24" providerId="ADAL" clId="{B0321861-5518-4ACF-98E1-6E16DA3537BB}" dt="2022-11-16T21:24:14.549" v="0" actId="47"/>
+        <pc:sldMkLst>
+          <pc:docMk/>
+          <pc:sldMk cId="0" sldId="269"/>
+        </pc:sldMkLst>
+      </pc:sldChg>
+      <pc:sldChg chg="del">
+        <pc:chgData name="Max Tarjan, PhD" userId="6afa3408-eea6-4478-9ef4-755f9a860d24" providerId="ADAL" clId="{B0321861-5518-4ACF-98E1-6E16DA3537BB}" dt="2022-11-16T21:24:14.549" v="0" actId="47"/>
+        <pc:sldMkLst>
+          <pc:docMk/>
+          <pc:sldMk cId="0" sldId="270"/>
+        </pc:sldMkLst>
+      </pc:sldChg>
+      <pc:sldChg chg="del">
+        <pc:chgData name="Max Tarjan, PhD" userId="6afa3408-eea6-4478-9ef4-755f9a860d24" providerId="ADAL" clId="{B0321861-5518-4ACF-98E1-6E16DA3537BB}" dt="2022-11-16T21:24:14.549" v="0" actId="47"/>
+        <pc:sldMkLst>
+          <pc:docMk/>
+          <pc:sldMk cId="0" sldId="271"/>
+        </pc:sldMkLst>
+      </pc:sldChg>
+      <pc:sldChg chg="del">
+        <pc:chgData name="Max Tarjan, PhD" userId="6afa3408-eea6-4478-9ef4-755f9a860d24" providerId="ADAL" clId="{B0321861-5518-4ACF-98E1-6E16DA3537BB}" dt="2022-11-16T21:24:14.549" v="0" actId="47"/>
+        <pc:sldMkLst>
+          <pc:docMk/>
+          <pc:sldMk cId="0" sldId="272"/>
+        </pc:sldMkLst>
+      </pc:sldChg>
+      <pc:sldChg chg="del">
+        <pc:chgData name="Max Tarjan, PhD" userId="6afa3408-eea6-4478-9ef4-755f9a860d24" providerId="ADAL" clId="{B0321861-5518-4ACF-98E1-6E16DA3537BB}" dt="2022-11-16T21:24:14.549" v="0" actId="47"/>
+        <pc:sldMkLst>
+          <pc:docMk/>
+          <pc:sldMk cId="0" sldId="273"/>
+        </pc:sldMkLst>
+      </pc:sldChg>
+      <pc:sldChg chg="del">
+        <pc:chgData name="Max Tarjan, PhD" userId="6afa3408-eea6-4478-9ef4-755f9a860d24" providerId="ADAL" clId="{B0321861-5518-4ACF-98E1-6E16DA3537BB}" dt="2022-11-16T21:24:14.549" v="0" actId="47"/>
+        <pc:sldMkLst>
+          <pc:docMk/>
+          <pc:sldMk cId="0" sldId="274"/>
+        </pc:sldMkLst>
+      </pc:sldChg>
+      <pc:sldChg chg="del">
+        <pc:chgData name="Max Tarjan, PhD" userId="6afa3408-eea6-4478-9ef4-755f9a860d24" providerId="ADAL" clId="{B0321861-5518-4ACF-98E1-6E16DA3537BB}" dt="2022-11-16T21:24:14.549" v="0" actId="47"/>
+        <pc:sldMkLst>
+          <pc:docMk/>
+          <pc:sldMk cId="0" sldId="275"/>
+        </pc:sldMkLst>
+      </pc:sldChg>
+    </pc:docChg>
+  </pc:docChgLst>
+</pc:chgInfo>
+</file>
+
 <file path=ppt/slideLayouts/slideLayout1.xml><?xml version="1.0" encoding="utf-8"?>
 <p:sldLayout xmlns:a="http://schemas.openxmlformats.org/drawingml/2006/main" xmlns:r="http://schemas.openxmlformats.org/officeDocument/2006/relationships" xmlns:p="http://schemas.openxmlformats.org/presentationml/2006/main" preserve="1" userDrawn="1">
   <p:cSld name="Title Slide">
@@ -348,7 +458,7 @@
             <a:fld id="{241EB5C9-1307-BA42-ABA2-0BC069CD8E7F}" type="datetimeFigureOut">
               <a:rPr lang="en-US" smtClean="0"/>
               <a:pPr/>
-              <a:t>9/8/2022</a:t>
+              <a:t>11/16/2022</a:t>
             </a:fld>
             <a:endParaRPr lang="en-US" dirty="0"/>
           </a:p>
@@ -565,7 +675,7 @@
           <a:p>
             <a:fld id="{241EB5C9-1307-BA42-ABA2-0BC069CD8E7F}" type="datetimeFigureOut">
               <a:rPr lang="en-US" smtClean="0"/>
-              <a:t>9/8/2022</a:t>
+              <a:t>11/16/2022</a:t>
             </a:fld>
             <a:endParaRPr lang="en-US"/>
           </a:p>
@@ -759,7 +869,7 @@
           <a:p>
             <a:fld id="{241EB5C9-1307-BA42-ABA2-0BC069CD8E7F}" type="datetimeFigureOut">
               <a:rPr lang="en-US" smtClean="0"/>
-              <a:t>9/8/2022</a:t>
+              <a:t>11/16/2022</a:t>
             </a:fld>
             <a:endParaRPr lang="en-US"/>
           </a:p>
@@ -1654,7 +1764,7 @@
           <a:p>
             <a:fld id="{241EB5C9-1307-BA42-ABA2-0BC069CD8E7F}" type="datetimeFigureOut">
               <a:rPr lang="en-US" smtClean="0"/>
-              <a:t>9/8/2022</a:t>
+              <a:t>11/16/2022</a:t>
             </a:fld>
             <a:endParaRPr lang="en-US"/>
           </a:p>
@@ -2038,7 +2148,7 @@
           <a:p>
             <a:fld id="{241EB5C9-1307-BA42-ABA2-0BC069CD8E7F}" type="datetimeFigureOut">
               <a:rPr lang="en-US" smtClean="0"/>
-              <a:t>9/8/2022</a:t>
+              <a:t>11/16/2022</a:t>
             </a:fld>
             <a:endParaRPr lang="en-US"/>
           </a:p>
@@ -2481,7 +2591,7 @@
           <a:p>
             <a:fld id="{241EB5C9-1307-BA42-ABA2-0BC069CD8E7F}" type="datetimeFigureOut">
               <a:rPr lang="en-US" smtClean="0"/>
-              <a:t>9/8/2022</a:t>
+              <a:t>11/16/2022</a:t>
             </a:fld>
             <a:endParaRPr lang="en-US"/>
           </a:p>
@@ -2614,7 +2724,7 @@
           <a:p>
             <a:fld id="{241EB5C9-1307-BA42-ABA2-0BC069CD8E7F}" type="datetimeFigureOut">
               <a:rPr lang="en-US" smtClean="0"/>
-              <a:t>9/8/2022</a:t>
+              <a:t>11/16/2022</a:t>
             </a:fld>
             <a:endParaRPr lang="en-US"/>
           </a:p>
@@ -2725,7 +2835,7 @@
           <a:p>
             <a:fld id="{241EB5C9-1307-BA42-ABA2-0BC069CD8E7F}" type="datetimeFigureOut">
               <a:rPr lang="en-US" smtClean="0"/>
-              <a:t>9/8/2022</a:t>
+              <a:t>11/16/2022</a:t>
             </a:fld>
             <a:endParaRPr lang="en-US"/>
           </a:p>
@@ -3016,7 +3126,7 @@
           <a:p>
             <a:fld id="{241EB5C9-1307-BA42-ABA2-0BC069CD8E7F}" type="datetimeFigureOut">
               <a:rPr lang="en-US" smtClean="0"/>
-              <a:t>9/8/2022</a:t>
+              <a:t>11/16/2022</a:t>
             </a:fld>
             <a:endParaRPr lang="en-US"/>
           </a:p>
@@ -3818,942 +3928,6 @@
 </p:sld>
 </file>
 
-<file path=ppt/slides/slide10.xml><?xml version="1.0" encoding="utf-8"?>
-<p:sld xmlns:a="http://schemas.openxmlformats.org/drawingml/2006/main" xmlns:r="http://schemas.openxmlformats.org/officeDocument/2006/relationships" xmlns:p="http://schemas.openxmlformats.org/presentationml/2006/main">
-  <p:cSld>
-    <p:spTree>
-      <p:nvGrpSpPr>
-        <p:cNvPr id="1" name=""/>
-        <p:cNvGrpSpPr/>
-        <p:nvPr/>
-      </p:nvGrpSpPr>
-      <p:grpSpPr>
-        <a:xfrm>
-          <a:off x="0" y="0"/>
-          <a:ext cx="0" cy="0"/>
-          <a:chOff x="0" y="0"/>
-          <a:chExt cx="0" cy="0"/>
-        </a:xfrm>
-      </p:grpSpPr>
-      <p:pic>
-        <p:nvPicPr>
-          <p:cNvPr id="2" name="Picture 1" descr="fig:  Output/fig.Threat_Category.GRank.png"/>
-          <p:cNvPicPr>
-            <a:picLocks noGrp="1" noChangeAspect="1"/>
-          </p:cNvPicPr>
-          <p:nvPr/>
-        </p:nvPicPr>
-        <p:blipFill>
-          <a:blip r:embed="rId2"/>
-          <a:stretch>
-            <a:fillRect/>
-          </a:stretch>
-        </p:blipFill>
-        <p:spPr bwMode="auto">
-          <a:xfrm>
-            <a:off x="2387600" y="546100"/>
-            <a:ext cx="4356100" cy="3632200"/>
-          </a:xfrm>
-          <a:prstGeom prst="rect">
-            <a:avLst/>
-          </a:prstGeom>
-          <a:noFill/>
-          <a:ln w="9525">
-            <a:noFill/>
-            <a:headEnd/>
-            <a:tailEnd/>
-          </a:ln>
-        </p:spPr>
-      </p:pic>
-      <p:sp>
-        <p:nvSpPr>
-          <p:cNvPr id="3" name="TextBox 3"/>
-          <p:cNvSpPr txBox="1"/>
-          <p:nvPr/>
-        </p:nvSpPr>
-        <p:spPr>
-          <a:xfrm>
-            <a:off x="457200" y="4178300"/>
-            <a:ext cx="8229600" cy="508000"/>
-          </a:xfrm>
-          <a:prstGeom prst="rect">
-            <a:avLst/>
-          </a:prstGeom>
-          <a:noFill/>
-        </p:spPr>
-        <p:txBody>
-          <a:bodyPr/>
-          <a:lstStyle/>
-          <a:p>
-            <a:pPr marL="0" lvl="0" indent="0" algn="ctr">
-              <a:buNone/>
-            </a:pPr>
-            <a:r>
-              <a:t>Figure 7 . Percent of at-risk elements with at least one threat category marked by G-rank. White values indicate the number of elements for which the standard is true (i.e. at least one threat category is marked, shown in green) or false (i.e., no threat categories are marked, shown in grey).</a:t>
-            </a:r>
-          </a:p>
-        </p:txBody>
-      </p:sp>
-    </p:spTree>
-  </p:cSld>
-  <p:clrMapOvr>
-    <a:masterClrMapping/>
-  </p:clrMapOvr>
-</p:sld>
-</file>
-
-<file path=ppt/slides/slide11.xml><?xml version="1.0" encoding="utf-8"?>
-<p:sld xmlns:a="http://schemas.openxmlformats.org/drawingml/2006/main" xmlns:r="http://schemas.openxmlformats.org/officeDocument/2006/relationships" xmlns:p="http://schemas.openxmlformats.org/presentationml/2006/main">
-  <p:cSld>
-    <p:spTree>
-      <p:nvGrpSpPr>
-        <p:cNvPr id="1" name=""/>
-        <p:cNvGrpSpPr/>
-        <p:nvPr/>
-      </p:nvGrpSpPr>
-      <p:grpSpPr>
-        <a:xfrm>
-          <a:off x="0" y="0"/>
-          <a:ext cx="0" cy="0"/>
-          <a:chOff x="0" y="0"/>
-          <a:chExt cx="0" cy="0"/>
-        </a:xfrm>
-      </p:grpSpPr>
-      <p:sp>
-        <p:nvSpPr>
-          <p:cNvPr id="2" name="Title 1"/>
-          <p:cNvSpPr>
-            <a:spLocks noGrp="1"/>
-          </p:cNvSpPr>
-          <p:nvPr>
-            <p:ph type="title"/>
-          </p:nvPr>
-        </p:nvSpPr>
-        <p:spPr/>
-        <p:txBody>
-          <a:bodyPr/>
-          <a:lstStyle/>
-          <a:p>
-            <a:pPr marL="0" lvl="0" indent="0">
-              <a:buNone/>
-            </a:pPr>
-            <a:r>
-              <a:t>4. A rank reasons statement.</a:t>
-            </a:r>
-          </a:p>
-        </p:txBody>
-      </p:sp>
-      <p:pic>
-        <p:nvPicPr>
-          <p:cNvPr id="3" name="Picture 1" descr="fig:  Output/fig.Rank_Reason.taxa.png"/>
-          <p:cNvPicPr>
-            <a:picLocks noGrp="1" noChangeAspect="1"/>
-          </p:cNvPicPr>
-          <p:nvPr/>
-        </p:nvPicPr>
-        <p:blipFill>
-          <a:blip r:embed="rId2"/>
-          <a:stretch>
-            <a:fillRect/>
-          </a:stretch>
-        </p:blipFill>
-        <p:spPr bwMode="auto">
-          <a:xfrm>
-            <a:off x="1981200" y="546100"/>
-            <a:ext cx="5194300" cy="3632200"/>
-          </a:xfrm>
-          <a:prstGeom prst="rect">
-            <a:avLst/>
-          </a:prstGeom>
-          <a:noFill/>
-          <a:ln w="9525">
-            <a:noFill/>
-            <a:headEnd/>
-            <a:tailEnd/>
-          </a:ln>
-        </p:spPr>
-      </p:pic>
-      <p:sp>
-        <p:nvSpPr>
-          <p:cNvPr id="4" name="TextBox 3"/>
-          <p:cNvSpPr txBox="1"/>
-          <p:nvPr/>
-        </p:nvSpPr>
-        <p:spPr>
-          <a:xfrm>
-            <a:off x="457200" y="4178300"/>
-            <a:ext cx="8229600" cy="508000"/>
-          </a:xfrm>
-          <a:prstGeom prst="rect">
-            <a:avLst/>
-          </a:prstGeom>
-          <a:noFill/>
-        </p:spPr>
-        <p:txBody>
-          <a:bodyPr/>
-          <a:lstStyle/>
-          <a:p>
-            <a:pPr marL="0" lvl="0" indent="0" algn="ctr">
-              <a:buNone/>
-            </a:pPr>
-            <a:r>
-              <a:t>Figure 8 . Percent of elements with a rank reasons statement.</a:t>
-            </a:r>
-          </a:p>
-        </p:txBody>
-      </p:sp>
-    </p:spTree>
-  </p:cSld>
-  <p:clrMapOvr>
-    <a:masterClrMapping/>
-  </p:clrMapOvr>
-</p:sld>
-</file>
-
-<file path=ppt/slides/slide12.xml><?xml version="1.0" encoding="utf-8"?>
-<p:sld xmlns:a="http://schemas.openxmlformats.org/drawingml/2006/main" xmlns:r="http://schemas.openxmlformats.org/officeDocument/2006/relationships" xmlns:p="http://schemas.openxmlformats.org/presentationml/2006/main">
-  <p:cSld>
-    <p:spTree>
-      <p:nvGrpSpPr>
-        <p:cNvPr id="1" name=""/>
-        <p:cNvGrpSpPr/>
-        <p:nvPr/>
-      </p:nvGrpSpPr>
-      <p:grpSpPr>
-        <a:xfrm>
-          <a:off x="0" y="0"/>
-          <a:ext cx="0" cy="0"/>
-          <a:chOff x="0" y="0"/>
-          <a:chExt cx="0" cy="0"/>
-        </a:xfrm>
-      </p:grpSpPr>
-      <p:pic>
-        <p:nvPicPr>
-          <p:cNvPr id="2" name="Picture 1" descr="fig:  Output/fig.Rank_Reason.GRank.barplot.png"/>
-          <p:cNvPicPr>
-            <a:picLocks noGrp="1" noChangeAspect="1"/>
-          </p:cNvPicPr>
-          <p:nvPr/>
-        </p:nvPicPr>
-        <p:blipFill>
-          <a:blip r:embed="rId2"/>
-          <a:stretch>
-            <a:fillRect/>
-          </a:stretch>
-        </p:blipFill>
-        <p:spPr bwMode="auto">
-          <a:xfrm>
-            <a:off x="2146300" y="546100"/>
-            <a:ext cx="4838700" cy="3632200"/>
-          </a:xfrm>
-          <a:prstGeom prst="rect">
-            <a:avLst/>
-          </a:prstGeom>
-          <a:noFill/>
-          <a:ln w="9525">
-            <a:noFill/>
-            <a:headEnd/>
-            <a:tailEnd/>
-          </a:ln>
-        </p:spPr>
-      </p:pic>
-      <p:sp>
-        <p:nvSpPr>
-          <p:cNvPr id="3" name="TextBox 3"/>
-          <p:cNvSpPr txBox="1"/>
-          <p:nvPr/>
-        </p:nvSpPr>
-        <p:spPr>
-          <a:xfrm>
-            <a:off x="457200" y="4178300"/>
-            <a:ext cx="8229600" cy="508000"/>
-          </a:xfrm>
-          <a:prstGeom prst="rect">
-            <a:avLst/>
-          </a:prstGeom>
-          <a:noFill/>
-        </p:spPr>
-        <p:txBody>
-          <a:bodyPr/>
-          <a:lstStyle/>
-          <a:p>
-            <a:pPr marL="0" lvl="0" indent="0" algn="ctr">
-              <a:buNone/>
-            </a:pPr>
-            <a:r>
-              <a:t>Figure 9 . Percent of elements of each G-rank with a rank reasons statement. White values indicate the number of elements for which the standard is true (i.e. a rank reasons statement is given, shown in green) or false (i.e., no rank reasons statement is given, shown in grey).</a:t>
-            </a:r>
-          </a:p>
-        </p:txBody>
-      </p:sp>
-    </p:spTree>
-  </p:cSld>
-  <p:clrMapOvr>
-    <a:masterClrMapping/>
-  </p:clrMapOvr>
-</p:sld>
-</file>
-
-<file path=ppt/slides/slide13.xml><?xml version="1.0" encoding="utf-8"?>
-<p:sld xmlns:a="http://schemas.openxmlformats.org/drawingml/2006/main" xmlns:r="http://schemas.openxmlformats.org/officeDocument/2006/relationships" xmlns:p="http://schemas.openxmlformats.org/presentationml/2006/main">
-  <p:cSld>
-    <p:spTree>
-      <p:nvGrpSpPr>
-        <p:cNvPr id="1" name=""/>
-        <p:cNvGrpSpPr/>
-        <p:nvPr/>
-      </p:nvGrpSpPr>
-      <p:grpSpPr>
-        <a:xfrm>
-          <a:off x="0" y="0"/>
-          <a:ext cx="0" cy="0"/>
-          <a:chOff x="0" y="0"/>
-          <a:chExt cx="0" cy="0"/>
-        </a:xfrm>
-      </p:grpSpPr>
-      <p:sp>
-        <p:nvSpPr>
-          <p:cNvPr id="2" name="Title 1"/>
-          <p:cNvSpPr>
-            <a:spLocks noGrp="1"/>
-          </p:cNvSpPr>
-          <p:nvPr>
-            <p:ph type="title"/>
-          </p:nvPr>
-        </p:nvSpPr>
-        <p:spPr/>
-        <p:txBody>
-          <a:bodyPr/>
-          <a:lstStyle/>
-          <a:p>
-            <a:pPr marL="0" lvl="0" indent="0">
-              <a:buNone/>
-            </a:pPr>
-            <a:r>
-              <a:t>5. Indication of the reason for most recent rank change.</a:t>
-            </a:r>
-          </a:p>
-        </p:txBody>
-      </p:sp>
-      <p:pic>
-        <p:nvPicPr>
-          <p:cNvPr id="3" name="Picture 1" descr="fig:  Output/fig.Rank_Change_Reason.taxa.png"/>
-          <p:cNvPicPr>
-            <a:picLocks noGrp="1" noChangeAspect="1"/>
-          </p:cNvPicPr>
-          <p:nvPr/>
-        </p:nvPicPr>
-        <p:blipFill>
-          <a:blip r:embed="rId2"/>
-          <a:stretch>
-            <a:fillRect/>
-          </a:stretch>
-        </p:blipFill>
-        <p:spPr bwMode="auto">
-          <a:xfrm>
-            <a:off x="1981200" y="546100"/>
-            <a:ext cx="5194300" cy="3632200"/>
-          </a:xfrm>
-          <a:prstGeom prst="rect">
-            <a:avLst/>
-          </a:prstGeom>
-          <a:noFill/>
-          <a:ln w="9525">
-            <a:noFill/>
-            <a:headEnd/>
-            <a:tailEnd/>
-          </a:ln>
-        </p:spPr>
-      </p:pic>
-      <p:sp>
-        <p:nvSpPr>
-          <p:cNvPr id="4" name="TextBox 3"/>
-          <p:cNvSpPr txBox="1"/>
-          <p:nvPr/>
-        </p:nvSpPr>
-        <p:spPr>
-          <a:xfrm>
-            <a:off x="457200" y="4178300"/>
-            <a:ext cx="8229600" cy="508000"/>
-          </a:xfrm>
-          <a:prstGeom prst="rect">
-            <a:avLst/>
-          </a:prstGeom>
-          <a:noFill/>
-        </p:spPr>
-        <p:txBody>
-          <a:bodyPr/>
-          <a:lstStyle/>
-          <a:p>
-            <a:pPr marL="0" lvl="0" indent="0" algn="ctr">
-              <a:buNone/>
-            </a:pPr>
-            <a:r>
-              <a:t>Figure 10 . Percent of elements with the reasons for rank change indicated. Only elements that have had a rank change are included. The date of the rank change must be the same as the date of the rank reasons statement for this standard to be evaluated as true.</a:t>
-            </a:r>
-          </a:p>
-        </p:txBody>
-      </p:sp>
-    </p:spTree>
-  </p:cSld>
-  <p:clrMapOvr>
-    <a:masterClrMapping/>
-  </p:clrMapOvr>
-</p:sld>
-</file>
-
-<file path=ppt/slides/slide14.xml><?xml version="1.0" encoding="utf-8"?>
-<p:sld xmlns:a="http://schemas.openxmlformats.org/drawingml/2006/main" xmlns:r="http://schemas.openxmlformats.org/officeDocument/2006/relationships" xmlns:p="http://schemas.openxmlformats.org/presentationml/2006/main">
-  <p:cSld>
-    <p:spTree>
-      <p:nvGrpSpPr>
-        <p:cNvPr id="1" name=""/>
-        <p:cNvGrpSpPr/>
-        <p:nvPr/>
-      </p:nvGrpSpPr>
-      <p:grpSpPr>
-        <a:xfrm>
-          <a:off x="0" y="0"/>
-          <a:ext cx="0" cy="0"/>
-          <a:chOff x="0" y="0"/>
-          <a:chExt cx="0" cy="0"/>
-        </a:xfrm>
-      </p:grpSpPr>
-      <p:pic>
-        <p:nvPicPr>
-          <p:cNvPr id="2" name="Picture 1" descr="fig:  Output/fig.Rank_Change_Reason.GRank.barplot.png"/>
-          <p:cNvPicPr>
-            <a:picLocks noGrp="1" noChangeAspect="1"/>
-          </p:cNvPicPr>
-          <p:nvPr/>
-        </p:nvPicPr>
-        <p:blipFill>
-          <a:blip r:embed="rId2"/>
-          <a:stretch>
-            <a:fillRect/>
-          </a:stretch>
-        </p:blipFill>
-        <p:spPr bwMode="auto">
-          <a:xfrm>
-            <a:off x="2146300" y="546100"/>
-            <a:ext cx="4838700" cy="3632200"/>
-          </a:xfrm>
-          <a:prstGeom prst="rect">
-            <a:avLst/>
-          </a:prstGeom>
-          <a:noFill/>
-          <a:ln w="9525">
-            <a:noFill/>
-            <a:headEnd/>
-            <a:tailEnd/>
-          </a:ln>
-        </p:spPr>
-      </p:pic>
-      <p:sp>
-        <p:nvSpPr>
-          <p:cNvPr id="3" name="TextBox 3"/>
-          <p:cNvSpPr txBox="1"/>
-          <p:nvPr/>
-        </p:nvSpPr>
-        <p:spPr>
-          <a:xfrm>
-            <a:off x="457200" y="4178300"/>
-            <a:ext cx="8229600" cy="508000"/>
-          </a:xfrm>
-          <a:prstGeom prst="rect">
-            <a:avLst/>
-          </a:prstGeom>
-          <a:noFill/>
-        </p:spPr>
-        <p:txBody>
-          <a:bodyPr/>
-          <a:lstStyle/>
-          <a:p>
-            <a:pPr marL="0" lvl="0" indent="0" algn="ctr">
-              <a:buNone/>
-            </a:pPr>
-            <a:r>
-              <a:t>Figure 11 . Proportion of elements of each G-rank with rank change reasons indicated.</a:t>
-            </a:r>
-          </a:p>
-        </p:txBody>
-      </p:sp>
-    </p:spTree>
-  </p:cSld>
-  <p:clrMapOvr>
-    <a:masterClrMapping/>
-  </p:clrMapOvr>
-</p:sld>
-</file>
-
-<file path=ppt/slides/slide15.xml><?xml version="1.0" encoding="utf-8"?>
-<p:sld xmlns:a="http://schemas.openxmlformats.org/drawingml/2006/main" xmlns:r="http://schemas.openxmlformats.org/officeDocument/2006/relationships" xmlns:p="http://schemas.openxmlformats.org/presentationml/2006/main">
-  <p:cSld>
-    <p:spTree>
-      <p:nvGrpSpPr>
-        <p:cNvPr id="1" name=""/>
-        <p:cNvGrpSpPr/>
-        <p:nvPr/>
-      </p:nvGrpSpPr>
-      <p:grpSpPr>
-        <a:xfrm>
-          <a:off x="0" y="0"/>
-          <a:ext cx="0" cy="0"/>
-          <a:chOff x="0" y="0"/>
-          <a:chExt cx="0" cy="0"/>
-        </a:xfrm>
-      </p:grpSpPr>
-      <p:sp>
-        <p:nvSpPr>
-          <p:cNvPr id="2" name="Title 1"/>
-          <p:cNvSpPr>
-            <a:spLocks noGrp="1"/>
-          </p:cNvSpPr>
-          <p:nvPr>
-            <p:ph type="title"/>
-          </p:nvPr>
-        </p:nvSpPr>
-        <p:spPr/>
-        <p:txBody>
-          <a:bodyPr/>
-          <a:lstStyle/>
-          <a:p>
-            <a:pPr marL="0" lvl="0" indent="0">
-              <a:buNone/>
-            </a:pPr>
-            <a:r>
-              <a:t>6. Habitat categories indicated.</a:t>
-            </a:r>
-          </a:p>
-        </p:txBody>
-      </p:sp>
-      <p:pic>
-        <p:nvPicPr>
-          <p:cNvPr id="3" name="Picture 1" descr="fig:  Output/fig.Habitat_Categories.taxa.png"/>
-          <p:cNvPicPr>
-            <a:picLocks noGrp="1" noChangeAspect="1"/>
-          </p:cNvPicPr>
-          <p:nvPr/>
-        </p:nvPicPr>
-        <p:blipFill>
-          <a:blip r:embed="rId2"/>
-          <a:stretch>
-            <a:fillRect/>
-          </a:stretch>
-        </p:blipFill>
-        <p:spPr bwMode="auto">
-          <a:xfrm>
-            <a:off x="1981200" y="546100"/>
-            <a:ext cx="5194300" cy="3632200"/>
-          </a:xfrm>
-          <a:prstGeom prst="rect">
-            <a:avLst/>
-          </a:prstGeom>
-          <a:noFill/>
-          <a:ln w="9525">
-            <a:noFill/>
-            <a:headEnd/>
-            <a:tailEnd/>
-          </a:ln>
-        </p:spPr>
-      </p:pic>
-      <p:sp>
-        <p:nvSpPr>
-          <p:cNvPr id="4" name="TextBox 3"/>
-          <p:cNvSpPr txBox="1"/>
-          <p:nvPr/>
-        </p:nvSpPr>
-        <p:spPr>
-          <a:xfrm>
-            <a:off x="457200" y="4178300"/>
-            <a:ext cx="8229600" cy="508000"/>
-          </a:xfrm>
-          <a:prstGeom prst="rect">
-            <a:avLst/>
-          </a:prstGeom>
-          <a:noFill/>
-        </p:spPr>
-        <p:txBody>
-          <a:bodyPr/>
-          <a:lstStyle/>
-          <a:p>
-            <a:pPr marL="0" lvl="0" indent="0" algn="ctr">
-              <a:buNone/>
-            </a:pPr>
-            <a:r>
-              <a:t>Figure 12 . Percent of elements with at least one habitat cateogry selected.</a:t>
-            </a:r>
-          </a:p>
-        </p:txBody>
-      </p:sp>
-    </p:spTree>
-  </p:cSld>
-  <p:clrMapOvr>
-    <a:masterClrMapping/>
-  </p:clrMapOvr>
-</p:sld>
-</file>
-
-<file path=ppt/slides/slide16.xml><?xml version="1.0" encoding="utf-8"?>
-<p:sld xmlns:a="http://schemas.openxmlformats.org/drawingml/2006/main" xmlns:r="http://schemas.openxmlformats.org/officeDocument/2006/relationships" xmlns:p="http://schemas.openxmlformats.org/presentationml/2006/main">
-  <p:cSld>
-    <p:spTree>
-      <p:nvGrpSpPr>
-        <p:cNvPr id="1" name=""/>
-        <p:cNvGrpSpPr/>
-        <p:nvPr/>
-      </p:nvGrpSpPr>
-      <p:grpSpPr>
-        <a:xfrm>
-          <a:off x="0" y="0"/>
-          <a:ext cx="0" cy="0"/>
-          <a:chOff x="0" y="0"/>
-          <a:chExt cx="0" cy="0"/>
-        </a:xfrm>
-      </p:grpSpPr>
-      <p:pic>
-        <p:nvPicPr>
-          <p:cNvPr id="2" name="Picture 1" descr="fig:  Output/fig.Habitat_Categories.GRank.barplot.png"/>
-          <p:cNvPicPr>
-            <a:picLocks noGrp="1" noChangeAspect="1"/>
-          </p:cNvPicPr>
-          <p:nvPr/>
-        </p:nvPicPr>
-        <p:blipFill>
-          <a:blip r:embed="rId2"/>
-          <a:stretch>
-            <a:fillRect/>
-          </a:stretch>
-        </p:blipFill>
-        <p:spPr bwMode="auto">
-          <a:xfrm>
-            <a:off x="2146300" y="546100"/>
-            <a:ext cx="4838700" cy="3632200"/>
-          </a:xfrm>
-          <a:prstGeom prst="rect">
-            <a:avLst/>
-          </a:prstGeom>
-          <a:noFill/>
-          <a:ln w="9525">
-            <a:noFill/>
-            <a:headEnd/>
-            <a:tailEnd/>
-          </a:ln>
-        </p:spPr>
-      </p:pic>
-      <p:sp>
-        <p:nvSpPr>
-          <p:cNvPr id="3" name="TextBox 3"/>
-          <p:cNvSpPr txBox="1"/>
-          <p:nvPr/>
-        </p:nvSpPr>
-        <p:spPr>
-          <a:xfrm>
-            <a:off x="457200" y="4178300"/>
-            <a:ext cx="8229600" cy="508000"/>
-          </a:xfrm>
-          <a:prstGeom prst="rect">
-            <a:avLst/>
-          </a:prstGeom>
-          <a:noFill/>
-        </p:spPr>
-        <p:txBody>
-          <a:bodyPr/>
-          <a:lstStyle/>
-          <a:p>
-            <a:pPr marL="0" lvl="0" indent="0" algn="ctr">
-              <a:buNone/>
-            </a:pPr>
-            <a:r>
-              <a:t>Figure 13 . Proportion of elements with at least one habitat category selected by G-rank.</a:t>
-            </a:r>
-          </a:p>
-        </p:txBody>
-      </p:sp>
-    </p:spTree>
-  </p:cSld>
-  <p:clrMapOvr>
-    <a:masterClrMapping/>
-  </p:clrMapOvr>
-</p:sld>
-</file>
-
-<file path=ppt/slides/slide17.xml><?xml version="1.0" encoding="utf-8"?>
-<p:sld xmlns:a="http://schemas.openxmlformats.org/drawingml/2006/main" xmlns:r="http://schemas.openxmlformats.org/officeDocument/2006/relationships" xmlns:p="http://schemas.openxmlformats.org/presentationml/2006/main">
-  <p:cSld>
-    <p:spTree>
-      <p:nvGrpSpPr>
-        <p:cNvPr id="1" name=""/>
-        <p:cNvGrpSpPr/>
-        <p:nvPr/>
-      </p:nvGrpSpPr>
-      <p:grpSpPr>
-        <a:xfrm>
-          <a:off x="0" y="0"/>
-          <a:ext cx="0" cy="0"/>
-          <a:chOff x="0" y="0"/>
-          <a:chExt cx="0" cy="0"/>
-        </a:xfrm>
-      </p:grpSpPr>
-      <p:sp>
-        <p:nvSpPr>
-          <p:cNvPr id="2" name="Title 1"/>
-          <p:cNvSpPr>
-            <a:spLocks noGrp="1"/>
-          </p:cNvSpPr>
-          <p:nvPr>
-            <p:ph type="title"/>
-          </p:nvPr>
-        </p:nvSpPr>
-        <p:spPr/>
-        <p:txBody>
-          <a:bodyPr/>
-          <a:lstStyle/>
-          <a:p>
-            <a:pPr marL="0" lvl="0" indent="0">
-              <a:buNone/>
-            </a:pPr>
-            <a:r>
-              <a:t>7. A review of the global status rank at least every 10 years.</a:t>
-            </a:r>
-          </a:p>
-        </p:txBody>
-      </p:sp>
-      <p:pic>
-        <p:nvPicPr>
-          <p:cNvPr id="3" name="Picture 1" descr="fig:  Output/fig.G_Rank_Review_Date.taxa.png"/>
-          <p:cNvPicPr>
-            <a:picLocks noGrp="1" noChangeAspect="1"/>
-          </p:cNvPicPr>
-          <p:nvPr/>
-        </p:nvPicPr>
-        <p:blipFill>
-          <a:blip r:embed="rId2"/>
-          <a:stretch>
-            <a:fillRect/>
-          </a:stretch>
-        </p:blipFill>
-        <p:spPr bwMode="auto">
-          <a:xfrm>
-            <a:off x="1981200" y="546100"/>
-            <a:ext cx="5194300" cy="3632200"/>
-          </a:xfrm>
-          <a:prstGeom prst="rect">
-            <a:avLst/>
-          </a:prstGeom>
-          <a:noFill/>
-          <a:ln w="9525">
-            <a:noFill/>
-            <a:headEnd/>
-            <a:tailEnd/>
-          </a:ln>
-        </p:spPr>
-      </p:pic>
-      <p:sp>
-        <p:nvSpPr>
-          <p:cNvPr id="4" name="TextBox 3"/>
-          <p:cNvSpPr txBox="1"/>
-          <p:nvPr/>
-        </p:nvSpPr>
-        <p:spPr>
-          <a:xfrm>
-            <a:off x="457200" y="4178300"/>
-            <a:ext cx="8229600" cy="508000"/>
-          </a:xfrm>
-          <a:prstGeom prst="rect">
-            <a:avLst/>
-          </a:prstGeom>
-          <a:noFill/>
-        </p:spPr>
-        <p:txBody>
-          <a:bodyPr/>
-          <a:lstStyle/>
-          <a:p>
-            <a:pPr marL="0" lvl="0" indent="0" algn="ctr">
-              <a:buNone/>
-            </a:pPr>
-            <a:r>
-              <a:t>Figure 14 . Percent of elements with a global rank that was reviewed within the last ten years. Elements with conservation status ranks of GNA/TNA, GNR/TNR, and GX/TX are excluded.</a:t>
-            </a:r>
-          </a:p>
-        </p:txBody>
-      </p:sp>
-    </p:spTree>
-  </p:cSld>
-  <p:clrMapOvr>
-    <a:masterClrMapping/>
-  </p:clrMapOvr>
-</p:sld>
-</file>
-
-<file path=ppt/slides/slide18.xml><?xml version="1.0" encoding="utf-8"?>
-<p:sld xmlns:a="http://schemas.openxmlformats.org/drawingml/2006/main" xmlns:r="http://schemas.openxmlformats.org/officeDocument/2006/relationships" xmlns:p="http://schemas.openxmlformats.org/presentationml/2006/main">
-  <p:cSld>
-    <p:spTree>
-      <p:nvGrpSpPr>
-        <p:cNvPr id="1" name=""/>
-        <p:cNvGrpSpPr/>
-        <p:nvPr/>
-      </p:nvGrpSpPr>
-      <p:grpSpPr>
-        <a:xfrm>
-          <a:off x="0" y="0"/>
-          <a:ext cx="0" cy="0"/>
-          <a:chOff x="0" y="0"/>
-          <a:chExt cx="0" cy="0"/>
-        </a:xfrm>
-      </p:grpSpPr>
-      <p:pic>
-        <p:nvPicPr>
-          <p:cNvPr id="2" name="Picture 1" descr="fig:  Output/fig.G_Rank_Review_Date.GRank.barplot.png"/>
-          <p:cNvPicPr>
-            <a:picLocks noGrp="1" noChangeAspect="1"/>
-          </p:cNvPicPr>
-          <p:nvPr/>
-        </p:nvPicPr>
-        <p:blipFill>
-          <a:blip r:embed="rId2"/>
-          <a:stretch>
-            <a:fillRect/>
-          </a:stretch>
-        </p:blipFill>
-        <p:spPr bwMode="auto">
-          <a:xfrm>
-            <a:off x="2146300" y="546100"/>
-            <a:ext cx="4838700" cy="3632200"/>
-          </a:xfrm>
-          <a:prstGeom prst="rect">
-            <a:avLst/>
-          </a:prstGeom>
-          <a:noFill/>
-          <a:ln w="9525">
-            <a:noFill/>
-            <a:headEnd/>
-            <a:tailEnd/>
-          </a:ln>
-        </p:spPr>
-      </p:pic>
-      <p:sp>
-        <p:nvSpPr>
-          <p:cNvPr id="3" name="TextBox 3"/>
-          <p:cNvSpPr txBox="1"/>
-          <p:nvPr/>
-        </p:nvSpPr>
-        <p:spPr>
-          <a:xfrm>
-            <a:off x="457200" y="4178300"/>
-            <a:ext cx="8229600" cy="508000"/>
-          </a:xfrm>
-          <a:prstGeom prst="rect">
-            <a:avLst/>
-          </a:prstGeom>
-          <a:noFill/>
-        </p:spPr>
-        <p:txBody>
-          <a:bodyPr/>
-          <a:lstStyle/>
-          <a:p>
-            <a:pPr marL="0" lvl="0" indent="0" algn="ctr">
-              <a:buNone/>
-            </a:pPr>
-            <a:r>
-              <a:t>Figure 15 . Proportion of elements with a global rank that was reviewed within the last 10 years by G-rank. Elements with conservation status ranks of GNA/TNA, GNR/TNR, and GX/TX are excluded.</a:t>
-            </a:r>
-          </a:p>
-        </p:txBody>
-      </p:sp>
-    </p:spTree>
-  </p:cSld>
-  <p:clrMapOvr>
-    <a:masterClrMapping/>
-  </p:clrMapOvr>
-</p:sld>
-</file>
-
-<file path=ppt/slides/slide19.xml><?xml version="1.0" encoding="utf-8"?>
-<p:sld xmlns:a="http://schemas.openxmlformats.org/drawingml/2006/main" xmlns:r="http://schemas.openxmlformats.org/officeDocument/2006/relationships" xmlns:p="http://schemas.openxmlformats.org/presentationml/2006/main">
-  <p:cSld>
-    <p:spTree>
-      <p:nvGrpSpPr>
-        <p:cNvPr id="1" name=""/>
-        <p:cNvGrpSpPr/>
-        <p:nvPr/>
-      </p:nvGrpSpPr>
-      <p:grpSpPr>
-        <a:xfrm>
-          <a:off x="0" y="0"/>
-          <a:ext cx="0" cy="0"/>
-          <a:chOff x="0" y="0"/>
-          <a:chExt cx="0" cy="0"/>
-        </a:xfrm>
-      </p:grpSpPr>
-      <p:pic>
-        <p:nvPicPr>
-          <p:cNvPr id="2" name="Picture 1" descr="fig:  Output/fig.rankreviewdate.png"/>
-          <p:cNvPicPr>
-            <a:picLocks noGrp="1" noChangeAspect="1"/>
-          </p:cNvPicPr>
-          <p:nvPr/>
-        </p:nvPicPr>
-        <p:blipFill>
-          <a:blip r:embed="rId2"/>
-          <a:stretch>
-            <a:fillRect/>
-          </a:stretch>
-        </p:blipFill>
-        <p:spPr bwMode="auto">
-          <a:xfrm>
-            <a:off x="635000" y="546100"/>
-            <a:ext cx="7874000" cy="3632200"/>
-          </a:xfrm>
-          <a:prstGeom prst="rect">
-            <a:avLst/>
-          </a:prstGeom>
-          <a:noFill/>
-          <a:ln w="9525">
-            <a:noFill/>
-            <a:headEnd/>
-            <a:tailEnd/>
-          </a:ln>
-        </p:spPr>
-      </p:pic>
-      <p:sp>
-        <p:nvSpPr>
-          <p:cNvPr id="3" name="TextBox 3"/>
-          <p:cNvSpPr txBox="1"/>
-          <p:nvPr/>
-        </p:nvSpPr>
-        <p:spPr>
-          <a:xfrm>
-            <a:off x="457200" y="4178300"/>
-            <a:ext cx="8229600" cy="508000"/>
-          </a:xfrm>
-          <a:prstGeom prst="rect">
-            <a:avLst/>
-          </a:prstGeom>
-          <a:noFill/>
-        </p:spPr>
-        <p:txBody>
-          <a:bodyPr/>
-          <a:lstStyle/>
-          <a:p>
-            <a:pPr marL="0" lvl="0" indent="0" algn="ctr">
-              <a:buNone/>
-            </a:pPr>
-            <a:r>
-              <a:t>Figure 16 . Histogram of the year of last global rank review. Elements with a global rank review within the last ten years appear in green. Elements with conservation status ranks of GNA/TNA, GNR/TNR, and GX/TX are excluded.</a:t>
-            </a:r>
-          </a:p>
-        </p:txBody>
-      </p:sp>
-    </p:spTree>
-  </p:cSld>
-  <p:clrMapOvr>
-    <a:masterClrMapping/>
-  </p:clrMapOvr>
-</p:sld>
-</file>
-
 <file path=ppt/slides/slide2.xml><?xml version="1.0" encoding="utf-8"?>
 <p:sld xmlns:a="http://schemas.openxmlformats.org/drawingml/2006/main" xmlns:r="http://schemas.openxmlformats.org/officeDocument/2006/relationships" xmlns:p="http://schemas.openxmlformats.org/presentationml/2006/main">
   <p:cSld>
@@ -4791,90 +3965,6 @@
             </a:pPr>
             <a:r>
               <a:t>This report was produced using data content from the January 2022 snapshot of Central Biotics.</a:t>
-            </a:r>
-          </a:p>
-        </p:txBody>
-      </p:sp>
-    </p:spTree>
-  </p:cSld>
-  <p:clrMapOvr>
-    <a:masterClrMapping/>
-  </p:clrMapOvr>
-</p:sld>
-</file>
-
-<file path=ppt/slides/slide20.xml><?xml version="1.0" encoding="utf-8"?>
-<p:sld xmlns:a="http://schemas.openxmlformats.org/drawingml/2006/main" xmlns:r="http://schemas.openxmlformats.org/officeDocument/2006/relationships" xmlns:p="http://schemas.openxmlformats.org/presentationml/2006/main">
-  <p:cSld>
-    <p:spTree>
-      <p:nvGrpSpPr>
-        <p:cNvPr id="1" name=""/>
-        <p:cNvGrpSpPr/>
-        <p:nvPr/>
-      </p:nvGrpSpPr>
-      <p:grpSpPr>
-        <a:xfrm>
-          <a:off x="0" y="0"/>
-          <a:ext cx="0" cy="0"/>
-          <a:chOff x="0" y="0"/>
-          <a:chExt cx="0" cy="0"/>
-        </a:xfrm>
-      </p:grpSpPr>
-      <p:pic>
-        <p:nvPicPr>
-          <p:cNvPr id="2" name="Picture 1" descr="fig:  Output/fig.rankreviewdate.grank.png"/>
-          <p:cNvPicPr>
-            <a:picLocks noGrp="1" noChangeAspect="1"/>
-          </p:cNvPicPr>
-          <p:nvPr/>
-        </p:nvPicPr>
-        <p:blipFill>
-          <a:blip r:embed="rId2"/>
-          <a:stretch>
-            <a:fillRect/>
-          </a:stretch>
-        </p:blipFill>
-        <p:spPr bwMode="auto">
-          <a:xfrm>
-            <a:off x="3263900" y="546100"/>
-            <a:ext cx="2628900" cy="3632200"/>
-          </a:xfrm>
-          <a:prstGeom prst="rect">
-            <a:avLst/>
-          </a:prstGeom>
-          <a:noFill/>
-          <a:ln w="9525">
-            <a:noFill/>
-            <a:headEnd/>
-            <a:tailEnd/>
-          </a:ln>
-        </p:spPr>
-      </p:pic>
-      <p:sp>
-        <p:nvSpPr>
-          <p:cNvPr id="3" name="TextBox 3"/>
-          <p:cNvSpPr txBox="1"/>
-          <p:nvPr/>
-        </p:nvSpPr>
-        <p:spPr>
-          <a:xfrm>
-            <a:off x="457200" y="4178300"/>
-            <a:ext cx="8229600" cy="508000"/>
-          </a:xfrm>
-          <a:prstGeom prst="rect">
-            <a:avLst/>
-          </a:prstGeom>
-          <a:noFill/>
-        </p:spPr>
-        <p:txBody>
-          <a:bodyPr/>
-          <a:lstStyle/>
-          <a:p>
-            <a:pPr marL="0" lvl="0" indent="0" algn="ctr">
-              <a:buNone/>
-            </a:pPr>
-            <a:r>
-              <a:t>Figure 17 . Histogram of the year of last global rank review by G-rank. Elements with a global rank review within the last ten years appear in green. Elements with conservation status ranks of GNA/TNA, and GX/TX are excluded.</a:t>
             </a:r>
           </a:p>
         </p:txBody>
@@ -5042,474 +4132,6 @@
                 </a:solidFill>
               </a:rPr>
               <a:t>Figure 1 . Percent of plants and animals in the primary global dataset with a global conservation status (G-rank or T-rank other than GNR/TNR).</a:t>
-            </a:r>
-          </a:p>
-        </p:txBody>
-      </p:sp>
-    </p:spTree>
-  </p:cSld>
-  <p:clrMapOvr>
-    <a:masterClrMapping/>
-  </p:clrMapOvr>
-</p:sld>
-</file>
-
-<file path=ppt/slides/slide5.xml><?xml version="1.0" encoding="utf-8"?>
-<p:sld xmlns:a="http://schemas.openxmlformats.org/drawingml/2006/main" xmlns:r="http://schemas.openxmlformats.org/officeDocument/2006/relationships" xmlns:p="http://schemas.openxmlformats.org/presentationml/2006/main">
-  <p:cSld>
-    <p:spTree>
-      <p:nvGrpSpPr>
-        <p:cNvPr id="1" name=""/>
-        <p:cNvGrpSpPr/>
-        <p:nvPr/>
-      </p:nvGrpSpPr>
-      <p:grpSpPr>
-        <a:xfrm>
-          <a:off x="0" y="0"/>
-          <a:ext cx="0" cy="0"/>
-          <a:chOff x="0" y="0"/>
-          <a:chExt cx="0" cy="0"/>
-        </a:xfrm>
-      </p:grpSpPr>
-      <p:sp>
-        <p:nvSpPr>
-          <p:cNvPr id="2" name="Title 1"/>
-          <p:cNvSpPr>
-            <a:spLocks noGrp="1"/>
-          </p:cNvSpPr>
-          <p:nvPr>
-            <p:ph type="title"/>
-          </p:nvPr>
-        </p:nvSpPr>
-        <p:spPr/>
-        <p:txBody>
-          <a:bodyPr/>
-          <a:lstStyle/>
-          <a:p>
-            <a:pPr marL="0" lvl="0" indent="0">
-              <a:buNone/>
-            </a:pPr>
-            <a:r>
-              <a:t>2. Documentation of the ranking methodology.</a:t>
-            </a:r>
-          </a:p>
-        </p:txBody>
-      </p:sp>
-      <p:pic>
-        <p:nvPicPr>
-          <p:cNvPr id="3" name="Picture 1" descr="fig:  Output/fig.Rank_Method.taxa.png"/>
-          <p:cNvPicPr>
-            <a:picLocks noGrp="1" noChangeAspect="1"/>
-          </p:cNvPicPr>
-          <p:nvPr/>
-        </p:nvPicPr>
-        <p:blipFill>
-          <a:blip r:embed="rId2"/>
-          <a:stretch>
-            <a:fillRect/>
-          </a:stretch>
-        </p:blipFill>
-        <p:spPr bwMode="auto">
-          <a:xfrm>
-            <a:off x="1981200" y="546100"/>
-            <a:ext cx="5194300" cy="3632200"/>
-          </a:xfrm>
-          <a:prstGeom prst="rect">
-            <a:avLst/>
-          </a:prstGeom>
-          <a:noFill/>
-          <a:ln w="9525">
-            <a:noFill/>
-            <a:headEnd/>
-            <a:tailEnd/>
-          </a:ln>
-        </p:spPr>
-      </p:pic>
-      <p:sp>
-        <p:nvSpPr>
-          <p:cNvPr id="4" name="TextBox 3"/>
-          <p:cNvSpPr txBox="1"/>
-          <p:nvPr/>
-        </p:nvSpPr>
-        <p:spPr>
-          <a:xfrm>
-            <a:off x="457200" y="4178300"/>
-            <a:ext cx="8229600" cy="508000"/>
-          </a:xfrm>
-          <a:prstGeom prst="rect">
-            <a:avLst/>
-          </a:prstGeom>
-          <a:noFill/>
-        </p:spPr>
-        <p:txBody>
-          <a:bodyPr/>
-          <a:lstStyle/>
-          <a:p>
-            <a:pPr marL="0" lvl="0" indent="0" algn="ctr">
-              <a:buNone/>
-            </a:pPr>
-            <a:r>
-              <a:t>Figure 2 . Percent of elements with rank methodology recorded. Center values show the percent of elements with rank methodology recorded (True, shown in green). White values indicate the number of elements for which the standard is true or false.</a:t>
-            </a:r>
-          </a:p>
-        </p:txBody>
-      </p:sp>
-    </p:spTree>
-  </p:cSld>
-  <p:clrMapOvr>
-    <a:masterClrMapping/>
-  </p:clrMapOvr>
-</p:sld>
-</file>
-
-<file path=ppt/slides/slide6.xml><?xml version="1.0" encoding="utf-8"?>
-<p:sld xmlns:a="http://schemas.openxmlformats.org/drawingml/2006/main" xmlns:r="http://schemas.openxmlformats.org/officeDocument/2006/relationships" xmlns:p="http://schemas.openxmlformats.org/presentationml/2006/main">
-  <p:cSld>
-    <p:spTree>
-      <p:nvGrpSpPr>
-        <p:cNvPr id="1" name=""/>
-        <p:cNvGrpSpPr/>
-        <p:nvPr/>
-      </p:nvGrpSpPr>
-      <p:grpSpPr>
-        <a:xfrm>
-          <a:off x="0" y="0"/>
-          <a:ext cx="0" cy="0"/>
-          <a:chOff x="0" y="0"/>
-          <a:chExt cx="0" cy="0"/>
-        </a:xfrm>
-      </p:grpSpPr>
-      <p:pic>
-        <p:nvPicPr>
-          <p:cNvPr id="2" name="Picture 1" descr="fig:  Output/fig.Rank_Method.GRank.barplot.png"/>
-          <p:cNvPicPr>
-            <a:picLocks noGrp="1" noChangeAspect="1"/>
-          </p:cNvPicPr>
-          <p:nvPr/>
-        </p:nvPicPr>
-        <p:blipFill>
-          <a:blip r:embed="rId2"/>
-          <a:stretch>
-            <a:fillRect/>
-          </a:stretch>
-        </p:blipFill>
-        <p:spPr bwMode="auto">
-          <a:xfrm>
-            <a:off x="2146300" y="546100"/>
-            <a:ext cx="4838700" cy="3632200"/>
-          </a:xfrm>
-          <a:prstGeom prst="rect">
-            <a:avLst/>
-          </a:prstGeom>
-          <a:noFill/>
-          <a:ln w="9525">
-            <a:noFill/>
-            <a:headEnd/>
-            <a:tailEnd/>
-          </a:ln>
-        </p:spPr>
-      </p:pic>
-      <p:sp>
-        <p:nvSpPr>
-          <p:cNvPr id="3" name="TextBox 3"/>
-          <p:cNvSpPr txBox="1"/>
-          <p:nvPr/>
-        </p:nvSpPr>
-        <p:spPr>
-          <a:xfrm>
-            <a:off x="457200" y="4178300"/>
-            <a:ext cx="8229600" cy="508000"/>
-          </a:xfrm>
-          <a:prstGeom prst="rect">
-            <a:avLst/>
-          </a:prstGeom>
-          <a:noFill/>
-        </p:spPr>
-        <p:txBody>
-          <a:bodyPr/>
-          <a:lstStyle/>
-          <a:p>
-            <a:pPr marL="0" lvl="0" indent="0" algn="ctr">
-              <a:buNone/>
-            </a:pPr>
-            <a:r>
-              <a:t>Figure 3 . Proportion of elements with rank methodology recorded by G-rank/T-rank. White values indicate the number of elements for which the standard is true (i.e. rank methodology is recorded, shown in green) or false (i.e., rank methodology is not recorded, shown in grey).</a:t>
-            </a:r>
-          </a:p>
-        </p:txBody>
-      </p:sp>
-    </p:spTree>
-  </p:cSld>
-  <p:clrMapOvr>
-    <a:masterClrMapping/>
-  </p:clrMapOvr>
-</p:sld>
-</file>
-
-<file path=ppt/slides/slide7.xml><?xml version="1.0" encoding="utf-8"?>
-<p:sld xmlns:a="http://schemas.openxmlformats.org/drawingml/2006/main" xmlns:r="http://schemas.openxmlformats.org/officeDocument/2006/relationships" xmlns:p="http://schemas.openxmlformats.org/presentationml/2006/main">
-  <p:cSld>
-    <p:spTree>
-      <p:nvGrpSpPr>
-        <p:cNvPr id="1" name=""/>
-        <p:cNvGrpSpPr/>
-        <p:nvPr/>
-      </p:nvGrpSpPr>
-      <p:grpSpPr>
-        <a:xfrm>
-          <a:off x="0" y="0"/>
-          <a:ext cx="0" cy="0"/>
-          <a:chOff x="0" y="0"/>
-          <a:chExt cx="0" cy="0"/>
-        </a:xfrm>
-      </p:grpSpPr>
-      <p:pic>
-        <p:nvPicPr>
-          <p:cNvPr id="2" name="Picture 1" descr="fig:  Output/fig.Rank_Calculator.taxa.png"/>
-          <p:cNvPicPr>
-            <a:picLocks noGrp="1" noChangeAspect="1"/>
-          </p:cNvPicPr>
-          <p:nvPr/>
-        </p:nvPicPr>
-        <p:blipFill>
-          <a:blip r:embed="rId2"/>
-          <a:stretch>
-            <a:fillRect/>
-          </a:stretch>
-        </p:blipFill>
-        <p:spPr bwMode="auto">
-          <a:xfrm>
-            <a:off x="1981200" y="546100"/>
-            <a:ext cx="5194300" cy="3632200"/>
-          </a:xfrm>
-          <a:prstGeom prst="rect">
-            <a:avLst/>
-          </a:prstGeom>
-          <a:noFill/>
-          <a:ln w="9525">
-            <a:noFill/>
-            <a:headEnd/>
-            <a:tailEnd/>
-          </a:ln>
-        </p:spPr>
-      </p:pic>
-      <p:sp>
-        <p:nvSpPr>
-          <p:cNvPr id="3" name="TextBox 3"/>
-          <p:cNvSpPr txBox="1"/>
-          <p:nvPr/>
-        </p:nvSpPr>
-        <p:spPr>
-          <a:xfrm>
-            <a:off x="457200" y="4178300"/>
-            <a:ext cx="8229600" cy="508000"/>
-          </a:xfrm>
-          <a:prstGeom prst="rect">
-            <a:avLst/>
-          </a:prstGeom>
-          <a:noFill/>
-        </p:spPr>
-        <p:txBody>
-          <a:bodyPr/>
-          <a:lstStyle/>
-          <a:p>
-            <a:pPr marL="0" lvl="0" indent="0" algn="ctr">
-              <a:buNone/>
-            </a:pPr>
-            <a:r>
-              <a:t>Figure 4 . Percent of elements that use the rank calculator. Center values show the percent of elements that were ranked using the rank calculator (True, shown in green). White values indicate the number of elements for which the standard is true or false.</a:t>
-            </a:r>
-          </a:p>
-        </p:txBody>
-      </p:sp>
-    </p:spTree>
-  </p:cSld>
-  <p:clrMapOvr>
-    <a:masterClrMapping/>
-  </p:clrMapOvr>
-</p:sld>
-</file>
-
-<file path=ppt/slides/slide8.xml><?xml version="1.0" encoding="utf-8"?>
-<p:sld xmlns:a="http://schemas.openxmlformats.org/drawingml/2006/main" xmlns:r="http://schemas.openxmlformats.org/officeDocument/2006/relationships" xmlns:p="http://schemas.openxmlformats.org/presentationml/2006/main">
-  <p:cSld>
-    <p:spTree>
-      <p:nvGrpSpPr>
-        <p:cNvPr id="1" name=""/>
-        <p:cNvGrpSpPr/>
-        <p:nvPr/>
-      </p:nvGrpSpPr>
-      <p:grpSpPr>
-        <a:xfrm>
-          <a:off x="0" y="0"/>
-          <a:ext cx="0" cy="0"/>
-          <a:chOff x="0" y="0"/>
-          <a:chExt cx="0" cy="0"/>
-        </a:xfrm>
-      </p:grpSpPr>
-      <p:pic>
-        <p:nvPicPr>
-          <p:cNvPr id="2" name="Picture 1" descr="fig:  Output/fig.Rank_Calculator.GRank.barplot.png"/>
-          <p:cNvPicPr>
-            <a:picLocks noGrp="1" noChangeAspect="1"/>
-          </p:cNvPicPr>
-          <p:nvPr/>
-        </p:nvPicPr>
-        <p:blipFill>
-          <a:blip r:embed="rId2"/>
-          <a:stretch>
-            <a:fillRect/>
-          </a:stretch>
-        </p:blipFill>
-        <p:spPr bwMode="auto">
-          <a:xfrm>
-            <a:off x="2146300" y="546100"/>
-            <a:ext cx="4838700" cy="3632200"/>
-          </a:xfrm>
-          <a:prstGeom prst="rect">
-            <a:avLst/>
-          </a:prstGeom>
-          <a:noFill/>
-          <a:ln w="9525">
-            <a:noFill/>
-            <a:headEnd/>
-            <a:tailEnd/>
-          </a:ln>
-        </p:spPr>
-      </p:pic>
-      <p:sp>
-        <p:nvSpPr>
-          <p:cNvPr id="3" name="TextBox 3"/>
-          <p:cNvSpPr txBox="1"/>
-          <p:nvPr/>
-        </p:nvSpPr>
-        <p:spPr>
-          <a:xfrm>
-            <a:off x="457200" y="4178300"/>
-            <a:ext cx="8229600" cy="508000"/>
-          </a:xfrm>
-          <a:prstGeom prst="rect">
-            <a:avLst/>
-          </a:prstGeom>
-          <a:noFill/>
-        </p:spPr>
-        <p:txBody>
-          <a:bodyPr/>
-          <a:lstStyle/>
-          <a:p>
-            <a:pPr marL="0" lvl="0" indent="0" algn="ctr">
-              <a:buNone/>
-            </a:pPr>
-            <a:r>
-              <a:t>Figure 5 . Proportion of elements that were ranked using the rank calculator by G-rank. White values indicate the number of elements for which the standard is true (i.e. the rank calculator was used, shown in green) or false (i.e., the rank calculator was not used, shown in grey).</a:t>
-            </a:r>
-          </a:p>
-        </p:txBody>
-      </p:sp>
-    </p:spTree>
-  </p:cSld>
-  <p:clrMapOvr>
-    <a:masterClrMapping/>
-  </p:clrMapOvr>
-</p:sld>
-</file>
-
-<file path=ppt/slides/slide9.xml><?xml version="1.0" encoding="utf-8"?>
-<p:sld xmlns:a="http://schemas.openxmlformats.org/drawingml/2006/main" xmlns:r="http://schemas.openxmlformats.org/officeDocument/2006/relationships" xmlns:p="http://schemas.openxmlformats.org/presentationml/2006/main">
-  <p:cSld>
-    <p:spTree>
-      <p:nvGrpSpPr>
-        <p:cNvPr id="1" name=""/>
-        <p:cNvGrpSpPr/>
-        <p:nvPr/>
-      </p:nvGrpSpPr>
-      <p:grpSpPr>
-        <a:xfrm>
-          <a:off x="0" y="0"/>
-          <a:ext cx="0" cy="0"/>
-          <a:chOff x="0" y="0"/>
-          <a:chExt cx="0" cy="0"/>
-        </a:xfrm>
-      </p:grpSpPr>
-      <p:sp>
-        <p:nvSpPr>
-          <p:cNvPr id="2" name="Title 1"/>
-          <p:cNvSpPr>
-            <a:spLocks noGrp="1"/>
-          </p:cNvSpPr>
-          <p:nvPr>
-            <p:ph type="title"/>
-          </p:nvPr>
-        </p:nvSpPr>
-        <p:spPr/>
-        <p:txBody>
-          <a:bodyPr/>
-          <a:lstStyle/>
-          <a:p>
-            <a:pPr marL="0" lvl="0" indent="0">
-              <a:buNone/>
-            </a:pPr>
-            <a:r>
-              <a:t>3. Threat categories indicated for at-risk elements, even if “unknown”.</a:t>
-            </a:r>
-          </a:p>
-        </p:txBody>
-      </p:sp>
-      <p:pic>
-        <p:nvPicPr>
-          <p:cNvPr id="3" name="Picture 1" descr="fig:  Output/fig.Threat_Category.taxa.png"/>
-          <p:cNvPicPr>
-            <a:picLocks noGrp="1" noChangeAspect="1"/>
-          </p:cNvPicPr>
-          <p:nvPr/>
-        </p:nvPicPr>
-        <p:blipFill>
-          <a:blip r:embed="rId2"/>
-          <a:stretch>
-            <a:fillRect/>
-          </a:stretch>
-        </p:blipFill>
-        <p:spPr bwMode="auto">
-          <a:xfrm>
-            <a:off x="1981200" y="546100"/>
-            <a:ext cx="5194300" cy="3632200"/>
-          </a:xfrm>
-          <a:prstGeom prst="rect">
-            <a:avLst/>
-          </a:prstGeom>
-          <a:noFill/>
-          <a:ln w="9525">
-            <a:noFill/>
-            <a:headEnd/>
-            <a:tailEnd/>
-          </a:ln>
-        </p:spPr>
-      </p:pic>
-      <p:sp>
-        <p:nvSpPr>
-          <p:cNvPr id="4" name="TextBox 3"/>
-          <p:cNvSpPr txBox="1"/>
-          <p:nvPr/>
-        </p:nvSpPr>
-        <p:spPr>
-          <a:xfrm>
-            <a:off x="457200" y="4178300"/>
-            <a:ext cx="8229600" cy="508000"/>
-          </a:xfrm>
-          <a:prstGeom prst="rect">
-            <a:avLst/>
-          </a:prstGeom>
-          <a:noFill/>
-        </p:spPr>
-        <p:txBody>
-          <a:bodyPr/>
-          <a:lstStyle/>
-          <a:p>
-            <a:pPr marL="0" lvl="0" indent="0" algn="ctr">
-              <a:buNone/>
-            </a:pPr>
-            <a:r>
-              <a:t>Figure 6 . Percent of at-risk elements with at least one threat category marked. Center values show the percent of at-risk elements (elements that are ranked GH/G1/G2/G3 or TH/T1/T2/T3) that have at least one threat category marked (True, shown in green). White values indicate the number of elements for which the standard is true or false.</a:t>
             </a:r>
           </a:p>
         </p:txBody>
